--- a/CCP/presentation/presentation.pptx
+++ b/CCP/presentation/presentation.pptx
@@ -13,7 +13,16 @@
     <p:sldId id="262" r:id="rId7"/>
     <p:sldId id="263" r:id="rId8"/>
     <p:sldId id="264" r:id="rId9"/>
-    <p:sldId id="265" r:id="rId10"/>
+    <p:sldId id="268" r:id="rId10"/>
+    <p:sldId id="266" r:id="rId11"/>
+    <p:sldId id="267" r:id="rId12"/>
+    <p:sldId id="270" r:id="rId13"/>
+    <p:sldId id="271" r:id="rId14"/>
+    <p:sldId id="272" r:id="rId15"/>
+    <p:sldId id="273" r:id="rId16"/>
+    <p:sldId id="275" r:id="rId17"/>
+    <p:sldId id="274" r:id="rId18"/>
+    <p:sldId id="265" r:id="rId19"/>
   </p:sldIdLst>
   <p:sldSz cx="12192000" cy="6858000"/>
   <p:notesSz cx="6858000" cy="9144000"/>
@@ -5837,7 +5846,12 @@
             <p:ph type="ctrTitle"/>
           </p:nvPr>
         </p:nvSpPr>
-        <p:spPr/>
+        <p:spPr>
+          <a:xfrm>
+            <a:off x="1507067" y="623420"/>
+            <a:ext cx="7766936" cy="1646302"/>
+          </a:xfrm>
+        </p:spPr>
         <p:txBody>
           <a:bodyPr/>
           <a:lstStyle/>
@@ -5867,7 +5881,7 @@
         </p:nvSpPr>
         <p:spPr>
           <a:xfrm>
-            <a:off x="1507067" y="4050833"/>
+            <a:off x="5256356" y="4777408"/>
             <a:ext cx="3714290" cy="1646302"/>
           </a:xfrm>
         </p:spPr>
@@ -5880,7 +5894,7 @@
             <a:pPr algn="l"/>
             <a:r>
               <a:rPr lang="en-US" dirty="0"/>
-              <a:t>BY: </a:t>
+              <a:t>Members:</a:t>
             </a:r>
           </a:p>
           <a:p>
@@ -5941,8 +5955,8 @@
         </p:nvSpPr>
         <p:spPr>
           <a:xfrm>
-            <a:off x="5852423" y="4550820"/>
-            <a:ext cx="3458818" cy="646331"/>
+            <a:off x="5256356" y="4346716"/>
+            <a:ext cx="4527724" cy="400110"/>
           </a:xfrm>
           <a:prstGeom prst="rect">
             <a:avLst/>
@@ -5956,23 +5970,1325 @@
           <a:lstStyle/>
           <a:p>
             <a:r>
-              <a:rPr lang="en-US" dirty="0"/>
-              <a:t>Team Name:</a:t>
-            </a:r>
-          </a:p>
-          <a:p>
-            <a:r>
-              <a:rPr lang="en-US" dirty="0" err="1"/>
-              <a:t>QuantumCoders</a:t>
-            </a:r>
-            <a:endParaRPr lang="en-US" dirty="0"/>
-          </a:p>
-        </p:txBody>
-      </p:sp>
+              <a:rPr lang="en-US" sz="2000" b="1" dirty="0">
+                <a:ln w="0"/>
+                <a:solidFill>
+                  <a:schemeClr val="accent1"/>
+                </a:solidFill>
+                <a:effectLst>
+                  <a:outerShdw blurRad="38100" dist="25400" dir="5400000" algn="ctr" rotWithShape="0">
+                    <a:srgbClr val="6E747A">
+                      <a:alpha val="43000"/>
+                    </a:srgbClr>
+                  </a:outerShdw>
+                </a:effectLst>
+              </a:rPr>
+              <a:t>Team Name: Quantum Coders</a:t>
+            </a:r>
+          </a:p>
+        </p:txBody>
+      </p:sp>
+      <p:pic>
+        <p:nvPicPr>
+          <p:cNvPr id="6" name="Picture 5"/>
+          <p:cNvPicPr>
+            <a:picLocks noChangeAspect="1"/>
+          </p:cNvPicPr>
+          <p:nvPr/>
+        </p:nvPicPr>
+        <p:blipFill>
+          <a:blip r:embed="rId2">
+            <a:extLst>
+              <a:ext uri="{28A0092B-C50C-407E-A947-70E740481C1C}">
+                <a14:useLocalDpi xmlns:a14="http://schemas.microsoft.com/office/drawing/2010/main" val="0"/>
+              </a:ext>
+            </a:extLst>
+          </a:blip>
+          <a:stretch>
+            <a:fillRect/>
+          </a:stretch>
+        </p:blipFill>
+        <p:spPr>
+          <a:xfrm>
+            <a:off x="799012" y="2269722"/>
+            <a:ext cx="4153988" cy="4153988"/>
+          </a:xfrm>
+          <a:prstGeom prst="rect">
+            <a:avLst/>
+          </a:prstGeom>
+        </p:spPr>
+      </p:pic>
     </p:spTree>
     <p:extLst>
       <p:ext uri="{BB962C8B-B14F-4D97-AF65-F5344CB8AC3E}">
         <p14:creationId xmlns:p14="http://schemas.microsoft.com/office/powerpoint/2010/main" val="624531858"/>
+      </p:ext>
+    </p:extLst>
+  </p:cSld>
+  <p:clrMapOvr>
+    <a:masterClrMapping/>
+  </p:clrMapOvr>
+</p:sld>
+</file>
+
+<file path=ppt/slides/slide10.xml><?xml version="1.0" encoding="utf-8"?>
+<p:sld xmlns:a="http://schemas.openxmlformats.org/drawingml/2006/main" xmlns:r="http://schemas.openxmlformats.org/officeDocument/2006/relationships" xmlns:p="http://schemas.openxmlformats.org/presentationml/2006/main">
+  <p:cSld>
+    <p:spTree>
+      <p:nvGrpSpPr>
+        <p:cNvPr id="1" name=""/>
+        <p:cNvGrpSpPr/>
+        <p:nvPr/>
+      </p:nvGrpSpPr>
+      <p:grpSpPr>
+        <a:xfrm>
+          <a:off x="0" y="0"/>
+          <a:ext cx="0" cy="0"/>
+          <a:chOff x="0" y="0"/>
+          <a:chExt cx="0" cy="0"/>
+        </a:xfrm>
+      </p:grpSpPr>
+      <p:sp>
+        <p:nvSpPr>
+          <p:cNvPr id="2" name="Title 1"/>
+          <p:cNvSpPr>
+            <a:spLocks noGrp="1"/>
+          </p:cNvSpPr>
+          <p:nvPr>
+            <p:ph type="title"/>
+          </p:nvPr>
+        </p:nvSpPr>
+        <p:spPr/>
+        <p:txBody>
+          <a:bodyPr>
+            <a:noAutofit/>
+          </a:bodyPr>
+          <a:lstStyle/>
+          <a:p>
+            <a:br>
+              <a:rPr lang="en-US" b="1" dirty="0"/>
+            </a:br>
+            <a:r>
+              <a:rPr lang="en-US" b="1" dirty="0"/>
+              <a:t>Difficulties Faced and Their Resolutions</a:t>
+            </a:r>
+            <a:br>
+              <a:rPr lang="en-US" dirty="0"/>
+            </a:br>
+            <a:endParaRPr lang="en-US" dirty="0"/>
+          </a:p>
+        </p:txBody>
+      </p:sp>
+      <p:sp>
+        <p:nvSpPr>
+          <p:cNvPr id="3" name="Content Placeholder 2"/>
+          <p:cNvSpPr>
+            <a:spLocks noGrp="1"/>
+          </p:cNvSpPr>
+          <p:nvPr>
+            <p:ph idx="1"/>
+          </p:nvPr>
+        </p:nvSpPr>
+        <p:spPr>
+          <a:xfrm>
+            <a:off x="677334" y="2500223"/>
+            <a:ext cx="8596668" cy="3880773"/>
+          </a:xfrm>
+        </p:spPr>
+        <p:txBody>
+          <a:bodyPr/>
+          <a:lstStyle/>
+          <a:p>
+            <a:pPr marL="0" indent="0">
+              <a:lnSpc>
+                <a:spcPct val="150000"/>
+              </a:lnSpc>
+              <a:buNone/>
+            </a:pPr>
+            <a:r>
+              <a:rPr lang="en-US" dirty="0"/>
+              <a:t>Throughout the development of the </a:t>
+            </a:r>
+            <a:r>
+              <a:rPr lang="en-US" b="1" dirty="0"/>
+              <a:t>Tic Tac Toe Game in C</a:t>
+            </a:r>
+            <a:r>
+              <a:rPr lang="en-US" dirty="0"/>
+              <a:t>, several challenges were encountered that tested both logic and debugging skills. Each issue provided an opportunity to understand the inner workings of C programming more deeply and strengthen the overall structure of the project. The following sections describe the key problems faced, their causes, and how they were effectively resolved.</a:t>
+            </a:r>
+          </a:p>
+          <a:p>
+            <a:pPr>
+              <a:lnSpc>
+                <a:spcPct val="150000"/>
+              </a:lnSpc>
+            </a:pPr>
+            <a:endParaRPr lang="en-US" dirty="0"/>
+          </a:p>
+        </p:txBody>
+      </p:sp>
+    </p:spTree>
+    <p:extLst>
+      <p:ext uri="{BB962C8B-B14F-4D97-AF65-F5344CB8AC3E}">
+        <p14:creationId xmlns:p14="http://schemas.microsoft.com/office/powerpoint/2010/main" val="715530507"/>
+      </p:ext>
+    </p:extLst>
+  </p:cSld>
+  <p:clrMapOvr>
+    <a:masterClrMapping/>
+  </p:clrMapOvr>
+</p:sld>
+</file>
+
+<file path=ppt/slides/slide11.xml><?xml version="1.0" encoding="utf-8"?>
+<p:sld xmlns:a="http://schemas.openxmlformats.org/drawingml/2006/main" xmlns:r="http://schemas.openxmlformats.org/officeDocument/2006/relationships" xmlns:p="http://schemas.openxmlformats.org/presentationml/2006/main">
+  <p:cSld>
+    <p:spTree>
+      <p:nvGrpSpPr>
+        <p:cNvPr id="1" name=""/>
+        <p:cNvGrpSpPr/>
+        <p:nvPr/>
+      </p:nvGrpSpPr>
+      <p:grpSpPr>
+        <a:xfrm>
+          <a:off x="0" y="0"/>
+          <a:ext cx="0" cy="0"/>
+          <a:chOff x="0" y="0"/>
+          <a:chExt cx="0" cy="0"/>
+        </a:xfrm>
+      </p:grpSpPr>
+      <p:sp>
+        <p:nvSpPr>
+          <p:cNvPr id="2" name="Title 1"/>
+          <p:cNvSpPr>
+            <a:spLocks noGrp="1"/>
+          </p:cNvSpPr>
+          <p:nvPr>
+            <p:ph type="title"/>
+          </p:nvPr>
+        </p:nvSpPr>
+        <p:spPr/>
+        <p:txBody>
+          <a:bodyPr/>
+          <a:lstStyle/>
+          <a:p>
+            <a:r>
+              <a:rPr lang="en-US" b="1" dirty="0"/>
+              <a:t>1.Input Validation Errors</a:t>
+            </a:r>
+            <a:endParaRPr lang="en-US" dirty="0"/>
+          </a:p>
+        </p:txBody>
+      </p:sp>
+      <p:sp>
+        <p:nvSpPr>
+          <p:cNvPr id="3" name="Content Placeholder 2"/>
+          <p:cNvSpPr>
+            <a:spLocks noGrp="1"/>
+          </p:cNvSpPr>
+          <p:nvPr>
+            <p:ph idx="1"/>
+          </p:nvPr>
+        </p:nvSpPr>
+        <p:spPr>
+          <a:xfrm>
+            <a:off x="677334" y="1606731"/>
+            <a:ext cx="8596668" cy="4434631"/>
+          </a:xfrm>
+        </p:spPr>
+        <p:txBody>
+          <a:bodyPr>
+            <a:normAutofit fontScale="92500" lnSpcReduction="20000"/>
+          </a:bodyPr>
+          <a:lstStyle/>
+          <a:p>
+            <a:pPr marL="0" indent="0">
+              <a:lnSpc>
+                <a:spcPct val="150000"/>
+              </a:lnSpc>
+              <a:buNone/>
+            </a:pPr>
+            <a:r>
+              <a:rPr lang="en-US" dirty="0"/>
+              <a:t>One of the earliest challenges was dealing with invalid player inputs. When a user entered characters or symbols instead of numbers, the program either entered an infinite loop or crashed unexpectedly. This occurred because the </a:t>
+            </a:r>
+            <a:r>
+              <a:rPr lang="en-US" dirty="0" err="1"/>
+              <a:t>scanf</a:t>
+            </a:r>
+            <a:r>
+              <a:rPr lang="en-US" dirty="0"/>
+              <a:t>() function attempted to read an integer but encountered incompatible data types, leaving unread characters in the input buffer.</a:t>
+            </a:r>
+          </a:p>
+          <a:p>
+            <a:pPr marL="0" indent="0">
+              <a:lnSpc>
+                <a:spcPct val="150000"/>
+              </a:lnSpc>
+              <a:buNone/>
+            </a:pPr>
+            <a:r>
+              <a:rPr lang="en-US" dirty="0"/>
+              <a:t>To solve this, input validation was implemented using:</a:t>
+            </a:r>
+          </a:p>
+          <a:p>
+            <a:pPr>
+              <a:lnSpc>
+                <a:spcPct val="150000"/>
+              </a:lnSpc>
+            </a:pPr>
+            <a:r>
+              <a:rPr lang="en-US" dirty="0"/>
+              <a:t>if (</a:t>
+            </a:r>
+            <a:r>
+              <a:rPr lang="en-US" dirty="0" err="1"/>
+              <a:t>scanf</a:t>
+            </a:r>
+            <a:r>
+              <a:rPr lang="en-US" dirty="0"/>
+              <a:t>("%d", &amp;box) != 1)</a:t>
+            </a:r>
+          </a:p>
+          <a:p>
+            <a:pPr marL="0" indent="0">
+              <a:lnSpc>
+                <a:spcPct val="150000"/>
+              </a:lnSpc>
+              <a:buNone/>
+            </a:pPr>
+            <a:r>
+              <a:rPr lang="en-US" dirty="0"/>
+              <a:t>and a buffer-clearing statement:</a:t>
+            </a:r>
+          </a:p>
+          <a:p>
+            <a:pPr>
+              <a:lnSpc>
+                <a:spcPct val="150000"/>
+              </a:lnSpc>
+            </a:pPr>
+            <a:r>
+              <a:rPr lang="en-US" dirty="0"/>
+              <a:t>while (</a:t>
+            </a:r>
+            <a:r>
+              <a:rPr lang="en-US" dirty="0" err="1"/>
+              <a:t>getchar</a:t>
+            </a:r>
+            <a:r>
+              <a:rPr lang="en-US" dirty="0"/>
+              <a:t>() != '\n');</a:t>
+            </a:r>
+          </a:p>
+          <a:p>
+            <a:pPr marL="0" indent="0">
+              <a:lnSpc>
+                <a:spcPct val="150000"/>
+              </a:lnSpc>
+              <a:buNone/>
+            </a:pPr>
+            <a:r>
+              <a:rPr lang="en-US" dirty="0"/>
+              <a:t>This ensured that any invalid input was discarded safely before the program accepted new data. As a result, the game became much more stable and user-friendly.</a:t>
+            </a:r>
+          </a:p>
+        </p:txBody>
+      </p:sp>
+    </p:spTree>
+    <p:extLst>
+      <p:ext uri="{BB962C8B-B14F-4D97-AF65-F5344CB8AC3E}">
+        <p14:creationId xmlns:p14="http://schemas.microsoft.com/office/powerpoint/2010/main" val="2836144159"/>
+      </p:ext>
+    </p:extLst>
+  </p:cSld>
+  <p:clrMapOvr>
+    <a:masterClrMapping/>
+  </p:clrMapOvr>
+</p:sld>
+</file>
+
+<file path=ppt/slides/slide12.xml><?xml version="1.0" encoding="utf-8"?>
+<p:sld xmlns:a="http://schemas.openxmlformats.org/drawingml/2006/main" xmlns:r="http://schemas.openxmlformats.org/officeDocument/2006/relationships" xmlns:p="http://schemas.openxmlformats.org/presentationml/2006/main">
+  <p:cSld>
+    <p:spTree>
+      <p:nvGrpSpPr>
+        <p:cNvPr id="1" name=""/>
+        <p:cNvGrpSpPr/>
+        <p:nvPr/>
+      </p:nvGrpSpPr>
+      <p:grpSpPr>
+        <a:xfrm>
+          <a:off x="0" y="0"/>
+          <a:ext cx="0" cy="0"/>
+          <a:chOff x="0" y="0"/>
+          <a:chExt cx="0" cy="0"/>
+        </a:xfrm>
+      </p:grpSpPr>
+      <p:sp>
+        <p:nvSpPr>
+          <p:cNvPr id="2" name="Title 1"/>
+          <p:cNvSpPr>
+            <a:spLocks noGrp="1"/>
+          </p:cNvSpPr>
+          <p:nvPr>
+            <p:ph type="title"/>
+          </p:nvPr>
+        </p:nvSpPr>
+        <p:spPr>
+          <a:xfrm>
+            <a:off x="677334" y="844731"/>
+            <a:ext cx="8596668" cy="1320800"/>
+          </a:xfrm>
+        </p:spPr>
+        <p:txBody>
+          <a:bodyPr>
+            <a:normAutofit/>
+          </a:bodyPr>
+          <a:lstStyle/>
+          <a:p>
+            <a:r>
+              <a:rPr lang="en-US" b="1" dirty="0"/>
+              <a:t>2. Overwriting of Player Moves</a:t>
+            </a:r>
+            <a:br>
+              <a:rPr lang="en-US" dirty="0"/>
+            </a:br>
+            <a:endParaRPr lang="en-US" dirty="0"/>
+          </a:p>
+        </p:txBody>
+      </p:sp>
+      <p:sp>
+        <p:nvSpPr>
+          <p:cNvPr id="3" name="Content Placeholder 2"/>
+          <p:cNvSpPr>
+            <a:spLocks noGrp="1"/>
+          </p:cNvSpPr>
+          <p:nvPr>
+            <p:ph idx="1"/>
+          </p:nvPr>
+        </p:nvSpPr>
+        <p:spPr>
+          <a:xfrm>
+            <a:off x="677334" y="1930400"/>
+            <a:ext cx="8596668" cy="3880773"/>
+          </a:xfrm>
+        </p:spPr>
+        <p:txBody>
+          <a:bodyPr/>
+          <a:lstStyle/>
+          <a:p>
+            <a:pPr marL="0" indent="0">
+              <a:lnSpc>
+                <a:spcPct val="150000"/>
+              </a:lnSpc>
+              <a:buNone/>
+            </a:pPr>
+            <a:r>
+              <a:rPr lang="en-US" dirty="0"/>
+              <a:t>At first, players were able to overwrite each other’s moves, which broke the fairness of the game. This happened because there was no condition preventing users from selecting a position that was already filled.</a:t>
+            </a:r>
+          </a:p>
+          <a:p>
+            <a:pPr marL="0" indent="0">
+              <a:lnSpc>
+                <a:spcPct val="150000"/>
+              </a:lnSpc>
+              <a:buNone/>
+            </a:pPr>
+            <a:r>
+              <a:rPr lang="en-US" dirty="0"/>
+              <a:t>The solution was to add a validation check:</a:t>
+            </a:r>
+          </a:p>
+          <a:p>
+            <a:pPr>
+              <a:lnSpc>
+                <a:spcPct val="150000"/>
+              </a:lnSpc>
+            </a:pPr>
+            <a:r>
+              <a:rPr lang="en-US" dirty="0"/>
+              <a:t>if (box &lt; 1 || box &gt; 9 || board[box - 1] != box + '0')</a:t>
+            </a:r>
+          </a:p>
+          <a:p>
+            <a:pPr marL="0" indent="0">
+              <a:lnSpc>
+                <a:spcPct val="150000"/>
+              </a:lnSpc>
+              <a:buNone/>
+            </a:pPr>
+            <a:r>
+              <a:rPr lang="en-US" dirty="0"/>
+              <a:t>This ensured that each move could only be placed in an unoccupied box. Once a cell contained an ‘X’ or ‘O’, the program disallowed any further changes to it, thus enforcing proper game rules.</a:t>
+            </a:r>
+          </a:p>
+          <a:p>
+            <a:pPr>
+              <a:lnSpc>
+                <a:spcPct val="150000"/>
+              </a:lnSpc>
+            </a:pPr>
+            <a:endParaRPr lang="en-US" dirty="0"/>
+          </a:p>
+        </p:txBody>
+      </p:sp>
+    </p:spTree>
+    <p:extLst>
+      <p:ext uri="{BB962C8B-B14F-4D97-AF65-F5344CB8AC3E}">
+        <p14:creationId xmlns:p14="http://schemas.microsoft.com/office/powerpoint/2010/main" val="2264755477"/>
+      </p:ext>
+    </p:extLst>
+  </p:cSld>
+  <p:clrMapOvr>
+    <a:masterClrMapping/>
+  </p:clrMapOvr>
+</p:sld>
+</file>
+
+<file path=ppt/slides/slide13.xml><?xml version="1.0" encoding="utf-8"?>
+<p:sld xmlns:a="http://schemas.openxmlformats.org/drawingml/2006/main" xmlns:r="http://schemas.openxmlformats.org/officeDocument/2006/relationships" xmlns:p="http://schemas.openxmlformats.org/presentationml/2006/main">
+  <p:cSld>
+    <p:spTree>
+      <p:nvGrpSpPr>
+        <p:cNvPr id="1" name=""/>
+        <p:cNvGrpSpPr/>
+        <p:nvPr/>
+      </p:nvGrpSpPr>
+      <p:grpSpPr>
+        <a:xfrm>
+          <a:off x="0" y="0"/>
+          <a:ext cx="0" cy="0"/>
+          <a:chOff x="0" y="0"/>
+          <a:chExt cx="0" cy="0"/>
+        </a:xfrm>
+      </p:grpSpPr>
+      <p:sp>
+        <p:nvSpPr>
+          <p:cNvPr id="2" name="Title 1"/>
+          <p:cNvSpPr>
+            <a:spLocks noGrp="1"/>
+          </p:cNvSpPr>
+          <p:nvPr>
+            <p:ph type="title"/>
+          </p:nvPr>
+        </p:nvSpPr>
+        <p:spPr/>
+        <p:txBody>
+          <a:bodyPr>
+            <a:normAutofit fontScale="90000"/>
+          </a:bodyPr>
+          <a:lstStyle/>
+          <a:p>
+            <a:br>
+              <a:rPr lang="en-US" b="1" dirty="0"/>
+            </a:br>
+            <a:r>
+              <a:rPr lang="en-US" b="1" dirty="0"/>
+              <a:t>3. Incorrect Win Detection</a:t>
+            </a:r>
+            <a:br>
+              <a:rPr lang="en-US" dirty="0"/>
+            </a:br>
+            <a:endParaRPr lang="en-US" dirty="0"/>
+          </a:p>
+        </p:txBody>
+      </p:sp>
+      <p:sp>
+        <p:nvSpPr>
+          <p:cNvPr id="3" name="Content Placeholder 2"/>
+          <p:cNvSpPr>
+            <a:spLocks noGrp="1"/>
+          </p:cNvSpPr>
+          <p:nvPr>
+            <p:ph idx="1"/>
+          </p:nvPr>
+        </p:nvSpPr>
+        <p:spPr/>
+        <p:txBody>
+          <a:bodyPr>
+            <a:normAutofit fontScale="92500" lnSpcReduction="10000"/>
+          </a:bodyPr>
+          <a:lstStyle/>
+          <a:p>
+            <a:pPr marL="0" indent="0">
+              <a:lnSpc>
+                <a:spcPct val="150000"/>
+              </a:lnSpc>
+              <a:buNone/>
+            </a:pPr>
+            <a:r>
+              <a:rPr lang="en-US" dirty="0"/>
+              <a:t>Another major difficulty was the program’s failure to correctly detect diagonal victories. Initially, the game recognized horizontal and vertical wins but sometimes ignored diagonal ones.</a:t>
+            </a:r>
+          </a:p>
+          <a:p>
+            <a:pPr marL="0" indent="0">
+              <a:lnSpc>
+                <a:spcPct val="150000"/>
+              </a:lnSpc>
+              <a:buNone/>
+            </a:pPr>
+            <a:r>
+              <a:rPr lang="en-US" dirty="0"/>
+              <a:t>This was due to a </a:t>
+            </a:r>
+            <a:r>
+              <a:rPr lang="en-US" b="1" dirty="0"/>
+              <a:t>mismatch between logical indices and their displayed positions</a:t>
+            </a:r>
+            <a:r>
+              <a:rPr lang="en-US" dirty="0"/>
+              <a:t>. After carefully analyzing the board layout, the formula:</a:t>
+            </a:r>
+          </a:p>
+          <a:p>
+            <a:pPr>
+              <a:lnSpc>
+                <a:spcPct val="150000"/>
+              </a:lnSpc>
+            </a:pPr>
+            <a:r>
+              <a:rPr lang="en-US" dirty="0"/>
+              <a:t>n = j + </a:t>
+            </a:r>
+            <a:r>
+              <a:rPr lang="en-US" dirty="0" err="1"/>
+              <a:t>i</a:t>
+            </a:r>
+            <a:r>
+              <a:rPr lang="en-US" dirty="0"/>
+              <a:t> * 3</a:t>
+            </a:r>
+          </a:p>
+          <a:p>
+            <a:pPr marL="0" indent="0">
+              <a:lnSpc>
+                <a:spcPct val="150000"/>
+              </a:lnSpc>
+              <a:buNone/>
+            </a:pPr>
+            <a:r>
+              <a:rPr lang="en-US" dirty="0"/>
+              <a:t>was applied to maintain consistent mapping between the 1D array indices and the 3×3 grid. This correction ensured that all eight winning combinations — three rows, three columns, and two diagonals — were properly detected.</a:t>
+            </a:r>
+          </a:p>
+        </p:txBody>
+      </p:sp>
+    </p:spTree>
+    <p:extLst>
+      <p:ext uri="{BB962C8B-B14F-4D97-AF65-F5344CB8AC3E}">
+        <p14:creationId xmlns:p14="http://schemas.microsoft.com/office/powerpoint/2010/main" val="2277477488"/>
+      </p:ext>
+    </p:extLst>
+  </p:cSld>
+  <p:clrMapOvr>
+    <a:masterClrMapping/>
+  </p:clrMapOvr>
+</p:sld>
+</file>
+
+<file path=ppt/slides/slide14.xml><?xml version="1.0" encoding="utf-8"?>
+<p:sld xmlns:a="http://schemas.openxmlformats.org/drawingml/2006/main" xmlns:r="http://schemas.openxmlformats.org/officeDocument/2006/relationships" xmlns:p="http://schemas.openxmlformats.org/presentationml/2006/main">
+  <p:cSld>
+    <p:spTree>
+      <p:nvGrpSpPr>
+        <p:cNvPr id="1" name=""/>
+        <p:cNvGrpSpPr/>
+        <p:nvPr/>
+      </p:nvGrpSpPr>
+      <p:grpSpPr>
+        <a:xfrm>
+          <a:off x="0" y="0"/>
+          <a:ext cx="0" cy="0"/>
+          <a:chOff x="0" y="0"/>
+          <a:chExt cx="0" cy="0"/>
+        </a:xfrm>
+      </p:grpSpPr>
+      <p:sp>
+        <p:nvSpPr>
+          <p:cNvPr id="2" name="Title 1"/>
+          <p:cNvSpPr>
+            <a:spLocks noGrp="1"/>
+          </p:cNvSpPr>
+          <p:nvPr>
+            <p:ph type="title"/>
+          </p:nvPr>
+        </p:nvSpPr>
+        <p:spPr/>
+        <p:txBody>
+          <a:bodyPr>
+            <a:normAutofit fontScale="90000"/>
+          </a:bodyPr>
+          <a:lstStyle/>
+          <a:p>
+            <a:br>
+              <a:rPr lang="en-US" b="1" dirty="0"/>
+            </a:br>
+            <a:r>
+              <a:rPr lang="en-US" b="1" dirty="0"/>
+              <a:t>4. Draw Condition Not Recognized</a:t>
+            </a:r>
+            <a:br>
+              <a:rPr lang="en-US" dirty="0"/>
+            </a:br>
+            <a:endParaRPr lang="en-US" dirty="0"/>
+          </a:p>
+        </p:txBody>
+      </p:sp>
+      <p:sp>
+        <p:nvSpPr>
+          <p:cNvPr id="3" name="Content Placeholder 2"/>
+          <p:cNvSpPr>
+            <a:spLocks noGrp="1"/>
+          </p:cNvSpPr>
+          <p:nvPr>
+            <p:ph idx="1"/>
+          </p:nvPr>
+        </p:nvSpPr>
+        <p:spPr/>
+        <p:txBody>
+          <a:bodyPr/>
+          <a:lstStyle/>
+          <a:p>
+            <a:pPr marL="0" indent="0">
+              <a:lnSpc>
+                <a:spcPct val="150000"/>
+              </a:lnSpc>
+              <a:buNone/>
+            </a:pPr>
+            <a:r>
+              <a:rPr lang="en-US" dirty="0"/>
+              <a:t>In early tests, when all boxes were filled without any winner, the program continued prompting players for moves indefinitely. This occurred because there was no condition to check whether the grid was full.</a:t>
+            </a:r>
+          </a:p>
+          <a:p>
+            <a:pPr marL="0" indent="0">
+              <a:lnSpc>
+                <a:spcPct val="150000"/>
+              </a:lnSpc>
+              <a:buNone/>
+            </a:pPr>
+            <a:r>
+              <a:rPr lang="en-US" dirty="0"/>
+              <a:t>The solution involved counting the number of filled cells within the </a:t>
+            </a:r>
+            <a:r>
+              <a:rPr lang="en-US" dirty="0" err="1"/>
+              <a:t>check_win</a:t>
+            </a:r>
+            <a:r>
+              <a:rPr lang="en-US" dirty="0"/>
+              <a:t>() function. When all nine boxes contained either ‘X’ or ‘O’, and no winning combination was found, the function returned -1, indicating a draw. This addition made the game logic complete and realistic.</a:t>
+            </a:r>
+          </a:p>
+        </p:txBody>
+      </p:sp>
+    </p:spTree>
+    <p:extLst>
+      <p:ext uri="{BB962C8B-B14F-4D97-AF65-F5344CB8AC3E}">
+        <p14:creationId xmlns:p14="http://schemas.microsoft.com/office/powerpoint/2010/main" val="526209210"/>
+      </p:ext>
+    </p:extLst>
+  </p:cSld>
+  <p:clrMapOvr>
+    <a:masterClrMapping/>
+  </p:clrMapOvr>
+</p:sld>
+</file>
+
+<file path=ppt/slides/slide15.xml><?xml version="1.0" encoding="utf-8"?>
+<p:sld xmlns:a="http://schemas.openxmlformats.org/drawingml/2006/main" xmlns:r="http://schemas.openxmlformats.org/officeDocument/2006/relationships" xmlns:p="http://schemas.openxmlformats.org/presentationml/2006/main">
+  <p:cSld>
+    <p:spTree>
+      <p:nvGrpSpPr>
+        <p:cNvPr id="1" name=""/>
+        <p:cNvGrpSpPr/>
+        <p:nvPr/>
+      </p:nvGrpSpPr>
+      <p:grpSpPr>
+        <a:xfrm>
+          <a:off x="0" y="0"/>
+          <a:ext cx="0" cy="0"/>
+          <a:chOff x="0" y="0"/>
+          <a:chExt cx="0" cy="0"/>
+        </a:xfrm>
+      </p:grpSpPr>
+      <p:sp>
+        <p:nvSpPr>
+          <p:cNvPr id="2" name="Title 1"/>
+          <p:cNvSpPr>
+            <a:spLocks noGrp="1"/>
+          </p:cNvSpPr>
+          <p:nvPr>
+            <p:ph type="title"/>
+          </p:nvPr>
+        </p:nvSpPr>
+        <p:spPr/>
+        <p:txBody>
+          <a:bodyPr>
+            <a:normAutofit fontScale="90000"/>
+          </a:bodyPr>
+          <a:lstStyle/>
+          <a:p>
+            <a:br>
+              <a:rPr lang="en-US" b="1" dirty="0"/>
+            </a:br>
+            <a:r>
+              <a:rPr lang="en-US" b="1" dirty="0"/>
+              <a:t>5. Replay Feature Malfunction</a:t>
+            </a:r>
+            <a:br>
+              <a:rPr lang="en-US" dirty="0"/>
+            </a:br>
+            <a:endParaRPr lang="en-US" dirty="0"/>
+          </a:p>
+        </p:txBody>
+      </p:sp>
+      <p:sp>
+        <p:nvSpPr>
+          <p:cNvPr id="3" name="Content Placeholder 2"/>
+          <p:cNvSpPr>
+            <a:spLocks noGrp="1"/>
+          </p:cNvSpPr>
+          <p:nvPr>
+            <p:ph idx="1"/>
+          </p:nvPr>
+        </p:nvSpPr>
+        <p:spPr/>
+        <p:txBody>
+          <a:bodyPr>
+            <a:normAutofit lnSpcReduction="10000"/>
+          </a:bodyPr>
+          <a:lstStyle/>
+          <a:p>
+            <a:pPr marL="0" indent="0">
+              <a:lnSpc>
+                <a:spcPct val="150000"/>
+              </a:lnSpc>
+              <a:buNone/>
+            </a:pPr>
+            <a:r>
+              <a:rPr lang="en-US" dirty="0"/>
+              <a:t>While adding the replay feature, an error was observed where the board displayed mixed symbols from the previous match. This happened because the board array was not being reinitialized properly before a new round began.</a:t>
+            </a:r>
+          </a:p>
+          <a:p>
+            <a:pPr marL="0" indent="0">
+              <a:lnSpc>
+                <a:spcPct val="150000"/>
+              </a:lnSpc>
+              <a:buNone/>
+            </a:pPr>
+            <a:r>
+              <a:rPr lang="en-US" dirty="0"/>
+              <a:t>To fix this, a reset loop was added:</a:t>
+            </a:r>
+          </a:p>
+          <a:p>
+            <a:pPr>
+              <a:lnSpc>
+                <a:spcPct val="150000"/>
+              </a:lnSpc>
+            </a:pPr>
+            <a:r>
+              <a:rPr lang="en-US" dirty="0"/>
+              <a:t>for (</a:t>
+            </a:r>
+            <a:r>
+              <a:rPr lang="en-US" dirty="0" err="1"/>
+              <a:t>int</a:t>
+            </a:r>
+            <a:r>
+              <a:rPr lang="en-US" dirty="0"/>
+              <a:t> </a:t>
+            </a:r>
+            <a:r>
+              <a:rPr lang="en-US" dirty="0" err="1"/>
+              <a:t>i</a:t>
+            </a:r>
+            <a:r>
+              <a:rPr lang="en-US" dirty="0"/>
+              <a:t> = 0; </a:t>
+            </a:r>
+            <a:r>
+              <a:rPr lang="en-US" dirty="0" err="1"/>
+              <a:t>i</a:t>
+            </a:r>
+            <a:r>
+              <a:rPr lang="en-US" dirty="0"/>
+              <a:t> &lt; 9; </a:t>
+            </a:r>
+            <a:r>
+              <a:rPr lang="en-US" dirty="0" err="1"/>
+              <a:t>i</a:t>
+            </a:r>
+            <a:r>
+              <a:rPr lang="en-US" dirty="0"/>
+              <a:t>++)</a:t>
+            </a:r>
+          </a:p>
+          <a:p>
+            <a:pPr marL="0" indent="0">
+              <a:lnSpc>
+                <a:spcPct val="150000"/>
+              </a:lnSpc>
+              <a:buNone/>
+            </a:pPr>
+            <a:r>
+              <a:rPr lang="en-US" dirty="0"/>
+              <a:t>     board[</a:t>
+            </a:r>
+            <a:r>
+              <a:rPr lang="en-US" dirty="0" err="1"/>
+              <a:t>i</a:t>
+            </a:r>
+            <a:r>
+              <a:rPr lang="en-US" dirty="0"/>
+              <a:t>] = </a:t>
+            </a:r>
+            <a:r>
+              <a:rPr lang="en-US" dirty="0" err="1"/>
+              <a:t>i</a:t>
+            </a:r>
+            <a:r>
+              <a:rPr lang="en-US" dirty="0"/>
+              <a:t> + '1';</a:t>
+            </a:r>
+          </a:p>
+          <a:p>
+            <a:pPr marL="0" indent="0">
+              <a:lnSpc>
+                <a:spcPct val="150000"/>
+              </a:lnSpc>
+              <a:buNone/>
+            </a:pPr>
+            <a:r>
+              <a:rPr lang="en-US" dirty="0"/>
+              <a:t>This restored the board to its default numbered state, allowing the players to start fresh each time without restarting the entire program.</a:t>
+            </a:r>
+          </a:p>
+          <a:p>
+            <a:pPr>
+              <a:lnSpc>
+                <a:spcPct val="150000"/>
+              </a:lnSpc>
+            </a:pPr>
+            <a:endParaRPr lang="en-US" dirty="0"/>
+          </a:p>
+        </p:txBody>
+      </p:sp>
+    </p:spTree>
+    <p:extLst>
+      <p:ext uri="{BB962C8B-B14F-4D97-AF65-F5344CB8AC3E}">
+        <p14:creationId xmlns:p14="http://schemas.microsoft.com/office/powerpoint/2010/main" val="4066662558"/>
+      </p:ext>
+    </p:extLst>
+  </p:cSld>
+  <p:clrMapOvr>
+    <a:masterClrMapping/>
+  </p:clrMapOvr>
+</p:sld>
+</file>
+
+<file path=ppt/slides/slide16.xml><?xml version="1.0" encoding="utf-8"?>
+<p:sld xmlns:a="http://schemas.openxmlformats.org/drawingml/2006/main" xmlns:r="http://schemas.openxmlformats.org/officeDocument/2006/relationships" xmlns:p="http://schemas.openxmlformats.org/presentationml/2006/main">
+  <p:cSld>
+    <p:spTree>
+      <p:nvGrpSpPr>
+        <p:cNvPr id="1" name=""/>
+        <p:cNvGrpSpPr/>
+        <p:nvPr/>
+      </p:nvGrpSpPr>
+      <p:grpSpPr>
+        <a:xfrm>
+          <a:off x="0" y="0"/>
+          <a:ext cx="0" cy="0"/>
+          <a:chOff x="0" y="0"/>
+          <a:chExt cx="0" cy="0"/>
+        </a:xfrm>
+      </p:grpSpPr>
+      <p:sp>
+        <p:nvSpPr>
+          <p:cNvPr id="2" name="Title 1"/>
+          <p:cNvSpPr>
+            <a:spLocks noGrp="1"/>
+          </p:cNvSpPr>
+          <p:nvPr>
+            <p:ph type="title"/>
+          </p:nvPr>
+        </p:nvSpPr>
+        <p:spPr/>
+        <p:txBody>
+          <a:bodyPr/>
+          <a:lstStyle/>
+          <a:p>
+            <a:br>
+              <a:rPr lang="en-US" b="1" dirty="0"/>
+            </a:br>
+            <a:r>
+              <a:rPr lang="en-US" b="1" dirty="0"/>
+              <a:t>6.Unicode character Compatibility</a:t>
+            </a:r>
+          </a:p>
+        </p:txBody>
+      </p:sp>
+      <p:sp>
+        <p:nvSpPr>
+          <p:cNvPr id="3" name="Content Placeholder 2"/>
+          <p:cNvSpPr>
+            <a:spLocks noGrp="1"/>
+          </p:cNvSpPr>
+          <p:nvPr>
+            <p:ph idx="1"/>
+          </p:nvPr>
+        </p:nvSpPr>
+        <p:spPr/>
+        <p:txBody>
+          <a:bodyPr>
+            <a:normAutofit/>
+          </a:bodyPr>
+          <a:lstStyle/>
+          <a:p>
+            <a:pPr marL="0" indent="0">
+              <a:lnSpc>
+                <a:spcPct val="150000"/>
+              </a:lnSpc>
+              <a:buNone/>
+            </a:pPr>
+            <a:r>
+              <a:rPr lang="en-US" dirty="0"/>
+              <a:t>By default windows consoles aren’t compatible with UTF-8 encoding. We used Unicode characters to print a neat grid. To display it properly onto windows terminals we first need to enable it which is done using the lines below.</a:t>
+            </a:r>
+          </a:p>
+          <a:p>
+            <a:pPr marL="0" indent="0">
+              <a:lnSpc>
+                <a:spcPct val="150000"/>
+              </a:lnSpc>
+              <a:buNone/>
+            </a:pPr>
+            <a:r>
+              <a:rPr lang="en-US" dirty="0"/>
+              <a:t>#ifdef _WIN32   </a:t>
+            </a:r>
+          </a:p>
+          <a:p>
+            <a:pPr marL="0" indent="0">
+              <a:lnSpc>
+                <a:spcPct val="150000"/>
+              </a:lnSpc>
+              <a:buNone/>
+            </a:pPr>
+            <a:r>
+              <a:rPr lang="en-US" dirty="0"/>
+              <a:t> SetConsoleOutputCP(CP_UTF8);</a:t>
+            </a:r>
+          </a:p>
+          <a:p>
+            <a:pPr marL="0" indent="0">
+              <a:lnSpc>
+                <a:spcPct val="150000"/>
+              </a:lnSpc>
+              <a:buNone/>
+            </a:pPr>
+            <a:r>
+              <a:rPr lang="en-US" dirty="0"/>
+              <a:t>#endif</a:t>
+            </a:r>
+          </a:p>
+          <a:p>
+            <a:pPr marL="0" indent="0">
+              <a:lnSpc>
+                <a:spcPct val="150000"/>
+              </a:lnSpc>
+              <a:buNone/>
+            </a:pPr>
+            <a:r>
+              <a:rPr lang="en-US" dirty="0"/>
+              <a:t>This line enabled UTF-8 output on Windows systems, making the interface work universally across different platforms.</a:t>
+            </a:r>
+          </a:p>
+        </p:txBody>
+      </p:sp>
+    </p:spTree>
+    <p:extLst>
+      <p:ext uri="{BB962C8B-B14F-4D97-AF65-F5344CB8AC3E}">
+        <p14:creationId xmlns:p14="http://schemas.microsoft.com/office/powerpoint/2010/main" val="2070420883"/>
+      </p:ext>
+    </p:extLst>
+  </p:cSld>
+  <p:clrMapOvr>
+    <a:masterClrMapping/>
+  </p:clrMapOvr>
+</p:sld>
+</file>
+
+<file path=ppt/slides/slide17.xml><?xml version="1.0" encoding="utf-8"?>
+<p:sld xmlns:a="http://schemas.openxmlformats.org/drawingml/2006/main" xmlns:r="http://schemas.openxmlformats.org/officeDocument/2006/relationships" xmlns:p="http://schemas.openxmlformats.org/presentationml/2006/main">
+  <p:cSld>
+    <p:spTree>
+      <p:nvGrpSpPr>
+        <p:cNvPr id="1" name=""/>
+        <p:cNvGrpSpPr/>
+        <p:nvPr/>
+      </p:nvGrpSpPr>
+      <p:grpSpPr>
+        <a:xfrm>
+          <a:off x="0" y="0"/>
+          <a:ext cx="0" cy="0"/>
+          <a:chOff x="0" y="0"/>
+          <a:chExt cx="0" cy="0"/>
+        </a:xfrm>
+      </p:grpSpPr>
+      <p:sp>
+        <p:nvSpPr>
+          <p:cNvPr id="2" name="Title 1"/>
+          <p:cNvSpPr>
+            <a:spLocks noGrp="1"/>
+          </p:cNvSpPr>
+          <p:nvPr>
+            <p:ph type="title"/>
+          </p:nvPr>
+        </p:nvSpPr>
+        <p:spPr/>
+        <p:txBody>
+          <a:bodyPr/>
+          <a:lstStyle/>
+          <a:p>
+            <a:r>
+              <a:rPr lang="en-US" b="1" dirty="0"/>
+              <a:t>Lessons Learned</a:t>
+            </a:r>
+            <a:br>
+              <a:rPr lang="en-US" dirty="0"/>
+            </a:br>
+            <a:endParaRPr lang="en-US" dirty="0"/>
+          </a:p>
+        </p:txBody>
+      </p:sp>
+      <p:sp>
+        <p:nvSpPr>
+          <p:cNvPr id="3" name="Content Placeholder 2"/>
+          <p:cNvSpPr>
+            <a:spLocks noGrp="1"/>
+          </p:cNvSpPr>
+          <p:nvPr>
+            <p:ph idx="1"/>
+          </p:nvPr>
+        </p:nvSpPr>
+        <p:spPr>
+          <a:xfrm>
+            <a:off x="677334" y="1567544"/>
+            <a:ext cx="8596668" cy="4669762"/>
+          </a:xfrm>
+        </p:spPr>
+        <p:txBody>
+          <a:bodyPr>
+            <a:normAutofit fontScale="92500" lnSpcReduction="20000"/>
+          </a:bodyPr>
+          <a:lstStyle/>
+          <a:p>
+            <a:pPr marL="0" indent="0">
+              <a:buNone/>
+            </a:pPr>
+            <a:r>
+              <a:rPr lang="en-US" dirty="0"/>
+              <a:t>Overcoming these challenges taught valuable lessons about programming discipline and systematic debugging. The process reinforced several key principles:</a:t>
+            </a:r>
+          </a:p>
+          <a:p>
+            <a:pPr lvl="0"/>
+            <a:r>
+              <a:rPr lang="en-US" b="1" dirty="0"/>
+              <a:t>Input Validation is Essential</a:t>
+            </a:r>
+            <a:r>
+              <a:rPr lang="en-US" dirty="0"/>
+              <a:t> – Never trust user input; always verify data types and boundaries.</a:t>
+            </a:r>
+          </a:p>
+          <a:p>
+            <a:pPr lvl="0"/>
+            <a:r>
+              <a:rPr lang="en-US" b="1" dirty="0"/>
+              <a:t>Modular Code Design</a:t>
+            </a:r>
+            <a:r>
+              <a:rPr lang="en-US" dirty="0"/>
+              <a:t> – Keeping related logic within functions like </a:t>
+            </a:r>
+            <a:r>
+              <a:rPr lang="en-US" dirty="0" err="1"/>
+              <a:t>print_board</a:t>
+            </a:r>
+            <a:r>
+              <a:rPr lang="en-US" dirty="0"/>
+              <a:t>() or </a:t>
+            </a:r>
+            <a:r>
+              <a:rPr lang="en-US" dirty="0" err="1"/>
+              <a:t>check_win</a:t>
+            </a:r>
+            <a:r>
+              <a:rPr lang="en-US" dirty="0"/>
+              <a:t>() improves readability and maintainability.</a:t>
+            </a:r>
+          </a:p>
+          <a:p>
+            <a:pPr lvl="0"/>
+            <a:r>
+              <a:rPr lang="en-US" b="1" dirty="0"/>
+              <a:t>Logical Consistency</a:t>
+            </a:r>
+            <a:r>
+              <a:rPr lang="en-US" dirty="0"/>
+              <a:t> – Always map visual representation and data structure correctly to avoid index mismatches.</a:t>
+            </a:r>
+          </a:p>
+          <a:p>
+            <a:pPr lvl="0"/>
+            <a:r>
+              <a:rPr lang="en-US" b="1" dirty="0"/>
+              <a:t>Cross-Platform Awareness</a:t>
+            </a:r>
+            <a:r>
+              <a:rPr lang="en-US" dirty="0"/>
+              <a:t> – Programs should be tested across environments to ensure consistent behavior.</a:t>
+            </a:r>
+          </a:p>
+          <a:p>
+            <a:pPr lvl="0"/>
+            <a:r>
+              <a:rPr lang="en-US" b="1" dirty="0"/>
+              <a:t>Incremental Debugging</a:t>
+            </a:r>
+            <a:r>
+              <a:rPr lang="en-US" dirty="0"/>
+              <a:t> – Testing one feature at a time helps isolate bugs and leads to efficient troubleshooting.</a:t>
+            </a:r>
+          </a:p>
+          <a:p>
+            <a:pPr marL="0" indent="0">
+              <a:buNone/>
+            </a:pPr>
+            <a:r>
+              <a:rPr lang="en-US" dirty="0"/>
+              <a:t>In conclusion, every difficulty faced during the development process contributed to stronger problem-solving ability, deeper command over C syntax, and a practical understanding of structured programming. These lessons not only improved the project’s final outcome but also provided foundational skills for tackling more advanced software development challenges in the future.</a:t>
+            </a:r>
+          </a:p>
+          <a:p>
+            <a:endParaRPr lang="en-US" dirty="0"/>
+          </a:p>
+        </p:txBody>
+      </p:sp>
+    </p:spTree>
+    <p:extLst>
+      <p:ext uri="{BB962C8B-B14F-4D97-AF65-F5344CB8AC3E}">
+        <p14:creationId xmlns:p14="http://schemas.microsoft.com/office/powerpoint/2010/main" val="1503054208"/>
+      </p:ext>
+    </p:extLst>
+  </p:cSld>
+  <p:clrMapOvr>
+    <a:masterClrMapping/>
+  </p:clrMapOvr>
+</p:sld>
+</file>
+
+<file path=ppt/slides/slide18.xml><?xml version="1.0" encoding="utf-8"?>
+<p:sld xmlns:a="http://schemas.openxmlformats.org/drawingml/2006/main" xmlns:r="http://schemas.openxmlformats.org/officeDocument/2006/relationships" xmlns:p="http://schemas.openxmlformats.org/presentationml/2006/main">
+  <p:cSld>
+    <p:spTree>
+      <p:nvGrpSpPr>
+        <p:cNvPr id="1" name=""/>
+        <p:cNvGrpSpPr/>
+        <p:nvPr/>
+      </p:nvGrpSpPr>
+      <p:grpSpPr>
+        <a:xfrm>
+          <a:off x="0" y="0"/>
+          <a:ext cx="0" cy="0"/>
+          <a:chOff x="0" y="0"/>
+          <a:chExt cx="0" cy="0"/>
+        </a:xfrm>
+      </p:grpSpPr>
+      <p:sp>
+        <p:nvSpPr>
+          <p:cNvPr id="2" name="Title 1">
+            <a:extLst>
+              <a:ext uri="{FF2B5EF4-FFF2-40B4-BE49-F238E27FC236}">
+                <a16:creationId xmlns:a16="http://schemas.microsoft.com/office/drawing/2014/main" id="{2160F10C-9317-451D-94E2-1015DA56A1DD}"/>
+              </a:ext>
+            </a:extLst>
+          </p:cNvPr>
+          <p:cNvSpPr>
+            <a:spLocks noGrp="1"/>
+          </p:cNvSpPr>
+          <p:nvPr>
+            <p:ph type="title"/>
+          </p:nvPr>
+        </p:nvSpPr>
+        <p:spPr/>
+        <p:txBody>
+          <a:bodyPr/>
+          <a:lstStyle/>
+          <a:p>
+            <a:br>
+              <a:rPr lang="en-US" dirty="0"/>
+            </a:br>
+            <a:r>
+              <a:rPr lang="en-US" dirty="0"/>
+              <a:t>Conclusion</a:t>
+            </a:r>
+          </a:p>
+        </p:txBody>
+      </p:sp>
+      <p:sp>
+        <p:nvSpPr>
+          <p:cNvPr id="3" name="Content Placeholder 2">
+            <a:extLst>
+              <a:ext uri="{FF2B5EF4-FFF2-40B4-BE49-F238E27FC236}">
+                <a16:creationId xmlns:a16="http://schemas.microsoft.com/office/drawing/2014/main" id="{E0F56964-D6ED-4200-A8D3-A4F83BB32E8F}"/>
+              </a:ext>
+            </a:extLst>
+          </p:cNvPr>
+          <p:cNvSpPr>
+            <a:spLocks noGrp="1"/>
+          </p:cNvSpPr>
+          <p:nvPr>
+            <p:ph idx="1"/>
+          </p:nvPr>
+        </p:nvSpPr>
+        <p:spPr>
+          <a:xfrm>
+            <a:off x="677334" y="2160589"/>
+            <a:ext cx="8596668" cy="3880773"/>
+          </a:xfrm>
+        </p:spPr>
+        <p:txBody>
+          <a:bodyPr>
+            <a:normAutofit fontScale="92500"/>
+          </a:bodyPr>
+          <a:lstStyle/>
+          <a:p>
+            <a:pPr marL="0" indent="0">
+              <a:buNone/>
+            </a:pPr>
+            <a:r>
+              <a:rPr lang="en-US" sz="2800" dirty="0"/>
+              <a:t>This Tic Tac Toe game is a perfect example of how to use arrays, loops, functions, and conditions in C programming. It also teaches how to manage player turns, validate user input, and display results interactively. By studying this program, beginners can improve their logical thinking and understand how small programs combine to create complete games. This game also eliminates the need to use paper and pen and makes it easier to play it again and again.</a:t>
+            </a:r>
+          </a:p>
+        </p:txBody>
+      </p:sp>
+    </p:spTree>
+    <p:extLst>
+      <p:ext uri="{BB962C8B-B14F-4D97-AF65-F5344CB8AC3E}">
+        <p14:creationId xmlns:p14="http://schemas.microsoft.com/office/powerpoint/2010/main" val="3853297123"/>
       </p:ext>
     </p:extLst>
   </p:cSld>
@@ -6020,6 +7336,9 @@
           <a:bodyPr/>
           <a:lstStyle/>
           <a:p>
+            <a:br>
+              <a:rPr lang="en-US" dirty="0"/>
+            </a:br>
             <a:r>
               <a:rPr lang="en-US" dirty="0"/>
               <a:t>Introduction</a:t>
@@ -6064,36 +7383,6 @@
           </a:p>
         </p:txBody>
       </p:sp>
-      <p:pic>
-        <p:nvPicPr>
-          <p:cNvPr id="4" name="Picture 3">
-            <a:extLst>
-              <a:ext uri="{FF2B5EF4-FFF2-40B4-BE49-F238E27FC236}">
-                <a16:creationId xmlns:a16="http://schemas.microsoft.com/office/drawing/2014/main" id="{46CD6DD4-C854-4D88-883D-D34463709A86}"/>
-              </a:ext>
-            </a:extLst>
-          </p:cNvPr>
-          <p:cNvPicPr>
-            <a:picLocks noChangeAspect="1"/>
-          </p:cNvPicPr>
-          <p:nvPr/>
-        </p:nvPicPr>
-        <p:blipFill>
-          <a:blip r:embed="rId2"/>
-          <a:stretch>
-            <a:fillRect/>
-          </a:stretch>
-        </p:blipFill>
-        <p:spPr>
-          <a:xfrm>
-            <a:off x="8726746" y="3565336"/>
-            <a:ext cx="3219899" cy="2724530"/>
-          </a:xfrm>
-          <a:prstGeom prst="rect">
-            <a:avLst/>
-          </a:prstGeom>
-        </p:spPr>
-      </p:pic>
     </p:spTree>
     <p:extLst>
       <p:ext uri="{BB962C8B-B14F-4D97-AF65-F5344CB8AC3E}">
@@ -6145,6 +7434,9 @@
           <a:bodyPr/>
           <a:lstStyle/>
           <a:p>
+            <a:br>
+              <a:rPr lang="en-US" dirty="0"/>
+            </a:br>
             <a:r>
               <a:rPr lang="en-US" dirty="0"/>
               <a:t>Step 1 – Code Setup</a:t>
@@ -6170,7 +7462,7 @@
         </p:nvSpPr>
         <p:spPr>
           <a:xfrm>
-            <a:off x="544812" y="1930400"/>
+            <a:off x="584000" y="2165531"/>
             <a:ext cx="8596668" cy="3880773"/>
           </a:xfrm>
         </p:spPr>
@@ -6179,6 +7471,9 @@
           <a:lstStyle/>
           <a:p>
             <a:pPr marL="0" indent="0">
+              <a:lnSpc>
+                <a:spcPct val="150000"/>
+              </a:lnSpc>
               <a:buNone/>
             </a:pPr>
             <a:r>
@@ -6228,6 +7523,9 @@
           </a:p>
           <a:p>
             <a:pPr marL="0" indent="0">
+              <a:lnSpc>
+                <a:spcPct val="150000"/>
+              </a:lnSpc>
               <a:buNone/>
             </a:pPr>
             <a:endParaRPr lang="en-US" dirty="0"/>
@@ -6285,6 +7583,9 @@
           <a:bodyPr/>
           <a:lstStyle/>
           <a:p>
+            <a:br>
+              <a:rPr lang="en-US" dirty="0"/>
+            </a:br>
             <a:r>
               <a:rPr lang="en-US" dirty="0"/>
               <a:t>Step 2 – Main Function Flow</a:t>
@@ -6314,6 +7615,9 @@
           <a:lstStyle/>
           <a:p>
             <a:pPr marL="0" indent="0">
+              <a:lnSpc>
+                <a:spcPct val="150000"/>
+              </a:lnSpc>
               <a:buNone/>
             </a:pPr>
             <a:r>
@@ -6388,6 +7692,9 @@
           <a:bodyPr/>
           <a:lstStyle/>
           <a:p>
+            <a:br>
+              <a:rPr lang="en-US" dirty="0"/>
+            </a:br>
             <a:r>
               <a:rPr lang="en-US" dirty="0"/>
               <a:t>Step 3 – Marking and Checking for Win</a:t>
@@ -6417,6 +7724,9 @@
           <a:lstStyle/>
           <a:p>
             <a:pPr marL="0" indent="0">
+              <a:lnSpc>
+                <a:spcPct val="150000"/>
+              </a:lnSpc>
               <a:buNone/>
             </a:pPr>
             <a:r>
@@ -6516,7 +7826,7 @@
         </p:nvSpPr>
         <p:spPr>
           <a:xfrm>
-            <a:off x="677335" y="3860800"/>
+            <a:off x="677335" y="3024777"/>
             <a:ext cx="8596668" cy="1570962"/>
           </a:xfrm>
         </p:spPr>
@@ -6606,6 +7916,9 @@
           <a:bodyPr/>
           <a:lstStyle/>
           <a:p>
+            <a:br>
+              <a:rPr lang="en-US" dirty="0"/>
+            </a:br>
             <a:r>
               <a:rPr lang="en-US" dirty="0"/>
               <a:t>Display Board Function</a:t>
@@ -6635,6 +7948,9 @@
           <a:lstStyle/>
           <a:p>
             <a:pPr marL="0" indent="0">
+              <a:lnSpc>
+                <a:spcPct val="150000"/>
+              </a:lnSpc>
               <a:buNone/>
             </a:pPr>
             <a:r>
@@ -6695,6 +8011,9 @@
           <a:bodyPr/>
           <a:lstStyle/>
           <a:p>
+            <a:br>
+              <a:rPr lang="en-US" dirty="0"/>
+            </a:br>
             <a:r>
               <a:rPr lang="en-US" dirty="0"/>
               <a:t>Win Checker</a:t>
@@ -6724,11 +8043,14 @@
           <a:lstStyle/>
           <a:p>
             <a:pPr marL="0" indent="0">
+              <a:lnSpc>
+                <a:spcPct val="150000"/>
+              </a:lnSpc>
               <a:buNone/>
             </a:pPr>
             <a:r>
               <a:rPr lang="en-US" dirty="0"/>
-              <a:t>This function checks all 8 possible winning combinations: three rows, three columns, and two diagonals. It compares the symbols in each line to see if they are the same. If yes, it returns 1, meaning a win. If the board is full and no winner is found, it returns -1 for a draw. Otherwise, it returns 0 to continue as normal.</a:t>
+              <a:t>This function checks all 8 possible winning combinations: three rows, three columns, and two diagonals. It compares the symbols in each line to see if they are the same. If yes, it returns 1, meaning a win. If the board is full and no winner is found, it returns -1 for a draw. Otherwise, it returns 0 to continue as normal. It makes the use of arrays and loops to efficiently loop through all the winning combinations.</a:t>
             </a:r>
           </a:p>
         </p:txBody>
@@ -6765,74 +8087,163 @@
       </p:grpSpPr>
       <p:sp>
         <p:nvSpPr>
-          <p:cNvPr id="2" name="Title 1">
+          <p:cNvPr id="2" name="Title 1"/>
+          <p:cNvSpPr>
+            <a:spLocks noGrp="1"/>
+          </p:cNvSpPr>
+          <p:nvPr>
+            <p:ph type="title"/>
+          </p:nvPr>
+        </p:nvSpPr>
+        <p:spPr>
+          <a:xfrm>
+            <a:off x="629236" y="933179"/>
+            <a:ext cx="8596668" cy="1320800"/>
+          </a:xfrm>
+        </p:spPr>
+        <p:txBody>
+          <a:bodyPr>
+            <a:normAutofit/>
+          </a:bodyPr>
+          <a:lstStyle/>
+          <a:p>
+            <a:r>
+              <a:rPr lang="en-US" b="1" dirty="0"/>
+              <a:t>Sample Output </a:t>
+            </a:r>
+            <a:br>
+              <a:rPr lang="en-US" dirty="0"/>
+            </a:br>
+            <a:endParaRPr lang="en-US" dirty="0"/>
+          </a:p>
+        </p:txBody>
+      </p:sp>
+      <p:sp>
+        <p:nvSpPr>
+          <p:cNvPr id="3" name="Content Placeholder 2"/>
+          <p:cNvSpPr>
+            <a:spLocks noGrp="1"/>
+          </p:cNvSpPr>
+          <p:nvPr>
+            <p:ph idx="1"/>
+          </p:nvPr>
+        </p:nvSpPr>
+        <p:spPr>
+          <a:xfrm>
+            <a:off x="677333" y="1319349"/>
+            <a:ext cx="9707637" cy="4976947"/>
+          </a:xfrm>
+        </p:spPr>
+        <p:txBody>
+          <a:bodyPr>
+            <a:normAutofit/>
+          </a:bodyPr>
+          <a:lstStyle/>
+          <a:p>
+            <a:pPr marL="0" indent="0">
+              <a:buNone/>
+            </a:pPr>
+            <a:r>
+              <a:rPr lang="en-US" dirty="0"/>
+              <a:t>   </a:t>
+            </a:r>
+          </a:p>
+        </p:txBody>
+      </p:sp>
+      <p:pic>
+        <p:nvPicPr>
+          <p:cNvPr id="4" name="Picture 3"/>
+          <p:cNvPicPr>
+            <a:picLocks noChangeAspect="1"/>
+          </p:cNvPicPr>
+          <p:nvPr/>
+        </p:nvPicPr>
+        <p:blipFill>
+          <a:blip r:embed="rId2">
             <a:extLst>
-              <a:ext uri="{FF2B5EF4-FFF2-40B4-BE49-F238E27FC236}">
-                <a16:creationId xmlns:a16="http://schemas.microsoft.com/office/drawing/2014/main" id="{2160F10C-9317-451D-94E2-1015DA56A1DD}"/>
+              <a:ext uri="{28A0092B-C50C-407E-A947-70E740481C1C}">
+                <a14:useLocalDpi xmlns:a14="http://schemas.microsoft.com/office/drawing/2010/main" val="0"/>
               </a:ext>
             </a:extLst>
-          </p:cNvPr>
-          <p:cNvSpPr>
-            <a:spLocks noGrp="1"/>
-          </p:cNvSpPr>
-          <p:nvPr>
-            <p:ph type="title"/>
-          </p:nvPr>
-        </p:nvSpPr>
-        <p:spPr/>
-        <p:txBody>
-          <a:bodyPr/>
-          <a:lstStyle/>
-          <a:p>
-            <a:r>
-              <a:rPr lang="en-US" dirty="0"/>
-              <a:t>Conclusion</a:t>
-            </a:r>
-          </a:p>
-        </p:txBody>
-      </p:sp>
-      <p:sp>
-        <p:nvSpPr>
-          <p:cNvPr id="3" name="Content Placeholder 2">
+          </a:blip>
+          <a:stretch>
+            <a:fillRect/>
+          </a:stretch>
+        </p:blipFill>
+        <p:spPr>
+          <a:xfrm>
+            <a:off x="725430" y="2387600"/>
+            <a:ext cx="3562350" cy="2657475"/>
+          </a:xfrm>
+          <a:prstGeom prst="rect">
+            <a:avLst/>
+          </a:prstGeom>
+        </p:spPr>
+      </p:pic>
+      <p:pic>
+        <p:nvPicPr>
+          <p:cNvPr id="5" name="Picture 4"/>
+          <p:cNvPicPr>
+            <a:picLocks noChangeAspect="1"/>
+          </p:cNvPicPr>
+          <p:nvPr/>
+        </p:nvPicPr>
+        <p:blipFill>
+          <a:blip r:embed="rId3">
             <a:extLst>
-              <a:ext uri="{FF2B5EF4-FFF2-40B4-BE49-F238E27FC236}">
-                <a16:creationId xmlns:a16="http://schemas.microsoft.com/office/drawing/2014/main" id="{E0F56964-D6ED-4200-A8D3-A4F83BB32E8F}"/>
+              <a:ext uri="{28A0092B-C50C-407E-A947-70E740481C1C}">
+                <a14:useLocalDpi xmlns:a14="http://schemas.microsoft.com/office/drawing/2010/main" val="0"/>
               </a:ext>
             </a:extLst>
-          </p:cNvPr>
-          <p:cNvSpPr>
-            <a:spLocks noGrp="1"/>
-          </p:cNvSpPr>
-          <p:nvPr>
-            <p:ph idx="1"/>
-          </p:nvPr>
-        </p:nvSpPr>
+          </a:blip>
+          <a:stretch>
+            <a:fillRect/>
+          </a:stretch>
+        </p:blipFill>
         <p:spPr>
           <a:xfrm>
-            <a:off x="677334" y="2160589"/>
-            <a:ext cx="8596668" cy="3880773"/>
+            <a:off x="4396722" y="2387600"/>
+            <a:ext cx="3209925" cy="2800350"/>
           </a:xfrm>
+          <a:prstGeom prst="rect">
+            <a:avLst/>
+          </a:prstGeom>
         </p:spPr>
-        <p:txBody>
-          <a:bodyPr>
-            <a:normAutofit fontScale="92500"/>
-          </a:bodyPr>
-          <a:lstStyle/>
-          <a:p>
-            <a:pPr marL="0" indent="0">
-              <a:buNone/>
-            </a:pPr>
-            <a:r>
-              <a:rPr lang="en-US" sz="2800" dirty="0"/>
-              <a:t>This Tic Tac Toe game is a perfect example of how to use arrays, loops, functions, and conditions in C programming. It also teaches how to manage player turns, validate user input, and display results interactively. By studying this program, beginners can improve their logical thinking and understand how small programs combine to create complete games. This game also eliminates the need to use paper and pen and makes it easier to play it again and again.</a:t>
-            </a:r>
-          </a:p>
-        </p:txBody>
-      </p:sp>
+      </p:pic>
+      <p:pic>
+        <p:nvPicPr>
+          <p:cNvPr id="6" name="Picture 5"/>
+          <p:cNvPicPr>
+            <a:picLocks noChangeAspect="1"/>
+          </p:cNvPicPr>
+          <p:nvPr/>
+        </p:nvPicPr>
+        <p:blipFill>
+          <a:blip r:embed="rId4">
+            <a:extLst>
+              <a:ext uri="{28A0092B-C50C-407E-A947-70E740481C1C}">
+                <a14:useLocalDpi xmlns:a14="http://schemas.microsoft.com/office/drawing/2010/main" val="0"/>
+              </a:ext>
+            </a:extLst>
+          </a:blip>
+          <a:stretch>
+            <a:fillRect/>
+          </a:stretch>
+        </p:blipFill>
+        <p:spPr>
+          <a:xfrm>
+            <a:off x="7908942" y="2387600"/>
+            <a:ext cx="2524125" cy="3114675"/>
+          </a:xfrm>
+          <a:prstGeom prst="rect">
+            <a:avLst/>
+          </a:prstGeom>
+        </p:spPr>
+      </p:pic>
     </p:spTree>
     <p:extLst>
       <p:ext uri="{BB962C8B-B14F-4D97-AF65-F5344CB8AC3E}">
-        <p14:creationId xmlns:p14="http://schemas.microsoft.com/office/powerpoint/2010/main" val="3853297123"/>
+        <p14:creationId xmlns:p14="http://schemas.microsoft.com/office/powerpoint/2010/main" val="3437870032"/>
       </p:ext>
     </p:extLst>
   </p:cSld>

--- a/CCP/presentation/presentation.pptx
+++ b/CCP/presentation/presentation.pptx
@@ -853,7 +853,7 @@
           <a:p>
             <a:fld id="{778367BD-450E-4CE5-82F7-0FB7460A9CF7}" type="datetimeFigureOut">
               <a:rPr lang="en-US" smtClean="0"/>
-              <a:t>11-Nov-25</a:t>
+              <a:t>13-Nov-25</a:t>
             </a:fld>
             <a:endParaRPr lang="en-US"/>
           </a:p>
@@ -1104,7 +1104,7 @@
           <a:p>
             <a:fld id="{778367BD-450E-4CE5-82F7-0FB7460A9CF7}" type="datetimeFigureOut">
               <a:rPr lang="en-US" smtClean="0"/>
-              <a:t>11-Nov-25</a:t>
+              <a:t>13-Nov-25</a:t>
             </a:fld>
             <a:endParaRPr lang="en-US"/>
           </a:p>
@@ -1418,7 +1418,7 @@
           <a:p>
             <a:fld id="{778367BD-450E-4CE5-82F7-0FB7460A9CF7}" type="datetimeFigureOut">
               <a:rPr lang="en-US" smtClean="0"/>
-              <a:t>11-Nov-25</a:t>
+              <a:t>13-Nov-25</a:t>
             </a:fld>
             <a:endParaRPr lang="en-US"/>
           </a:p>
@@ -1745,7 +1745,7 @@
           <a:p>
             <a:fld id="{778367BD-450E-4CE5-82F7-0FB7460A9CF7}" type="datetimeFigureOut">
               <a:rPr lang="en-US" smtClean="0"/>
-              <a:t>11-Nov-25</a:t>
+              <a:t>13-Nov-25</a:t>
             </a:fld>
             <a:endParaRPr lang="en-US"/>
           </a:p>
@@ -2059,7 +2059,7 @@
           <a:p>
             <a:fld id="{778367BD-450E-4CE5-82F7-0FB7460A9CF7}" type="datetimeFigureOut">
               <a:rPr lang="en-US" smtClean="0"/>
-              <a:t>11-Nov-25</a:t>
+              <a:t>13-Nov-25</a:t>
             </a:fld>
             <a:endParaRPr lang="en-US"/>
           </a:p>
@@ -2446,7 +2446,7 @@
           <a:p>
             <a:fld id="{778367BD-450E-4CE5-82F7-0FB7460A9CF7}" type="datetimeFigureOut">
               <a:rPr lang="en-US" smtClean="0"/>
-              <a:t>11-Nov-25</a:t>
+              <a:t>13-Nov-25</a:t>
             </a:fld>
             <a:endParaRPr lang="en-US"/>
           </a:p>
@@ -2616,7 +2616,7 @@
           <a:p>
             <a:fld id="{778367BD-450E-4CE5-82F7-0FB7460A9CF7}" type="datetimeFigureOut">
               <a:rPr lang="en-US" smtClean="0"/>
-              <a:t>11-Nov-25</a:t>
+              <a:t>13-Nov-25</a:t>
             </a:fld>
             <a:endParaRPr lang="en-US"/>
           </a:p>
@@ -2796,7 +2796,7 @@
           <a:p>
             <a:fld id="{778367BD-450E-4CE5-82F7-0FB7460A9CF7}" type="datetimeFigureOut">
               <a:rPr lang="en-US" smtClean="0"/>
-              <a:t>11-Nov-25</a:t>
+              <a:t>13-Nov-25</a:t>
             </a:fld>
             <a:endParaRPr lang="en-US"/>
           </a:p>
@@ -2972,7 +2972,7 @@
           <a:p>
             <a:fld id="{778367BD-450E-4CE5-82F7-0FB7460A9CF7}" type="datetimeFigureOut">
               <a:rPr lang="en-US" smtClean="0"/>
-              <a:t>11-Nov-25</a:t>
+              <a:t>13-Nov-25</a:t>
             </a:fld>
             <a:endParaRPr lang="en-US"/>
           </a:p>
@@ -3219,7 +3219,7 @@
           <a:p>
             <a:fld id="{778367BD-450E-4CE5-82F7-0FB7460A9CF7}" type="datetimeFigureOut">
               <a:rPr lang="en-US" smtClean="0"/>
-              <a:t>11-Nov-25</a:t>
+              <a:t>13-Nov-25</a:t>
             </a:fld>
             <a:endParaRPr lang="en-US"/>
           </a:p>
@@ -3451,7 +3451,7 @@
           <a:p>
             <a:fld id="{778367BD-450E-4CE5-82F7-0FB7460A9CF7}" type="datetimeFigureOut">
               <a:rPr lang="en-US" smtClean="0"/>
-              <a:t>11-Nov-25</a:t>
+              <a:t>13-Nov-25</a:t>
             </a:fld>
             <a:endParaRPr lang="en-US"/>
           </a:p>
@@ -3825,7 +3825,7 @@
           <a:p>
             <a:fld id="{778367BD-450E-4CE5-82F7-0FB7460A9CF7}" type="datetimeFigureOut">
               <a:rPr lang="en-US" smtClean="0"/>
-              <a:t>11-Nov-25</a:t>
+              <a:t>13-Nov-25</a:t>
             </a:fld>
             <a:endParaRPr lang="en-US"/>
           </a:p>
@@ -3948,7 +3948,7 @@
           <a:p>
             <a:fld id="{778367BD-450E-4CE5-82F7-0FB7460A9CF7}" type="datetimeFigureOut">
               <a:rPr lang="en-US" smtClean="0"/>
-              <a:t>11-Nov-25</a:t>
+              <a:t>13-Nov-25</a:t>
             </a:fld>
             <a:endParaRPr lang="en-US"/>
           </a:p>
@@ -4043,7 +4043,7 @@
           <a:p>
             <a:fld id="{778367BD-450E-4CE5-82F7-0FB7460A9CF7}" type="datetimeFigureOut">
               <a:rPr lang="en-US" smtClean="0"/>
-              <a:t>11-Nov-25</a:t>
+              <a:t>13-Nov-25</a:t>
             </a:fld>
             <a:endParaRPr lang="en-US"/>
           </a:p>
@@ -4298,7 +4298,7 @@
           <a:p>
             <a:fld id="{778367BD-450E-4CE5-82F7-0FB7460A9CF7}" type="datetimeFigureOut">
               <a:rPr lang="en-US" smtClean="0"/>
-              <a:t>11-Nov-25</a:t>
+              <a:t>13-Nov-25</a:t>
             </a:fld>
             <a:endParaRPr lang="en-US"/>
           </a:p>
@@ -4561,7 +4561,7 @@
           <a:p>
             <a:fld id="{778367BD-450E-4CE5-82F7-0FB7460A9CF7}" type="datetimeFigureOut">
               <a:rPr lang="en-US" smtClean="0"/>
-              <a:t>11-Nov-25</a:t>
+              <a:t>13-Nov-25</a:t>
             </a:fld>
             <a:endParaRPr lang="en-US"/>
           </a:p>
@@ -5306,7 +5306,7 @@
           <a:p>
             <a:fld id="{778367BD-450E-4CE5-82F7-0FB7460A9CF7}" type="datetimeFigureOut">
               <a:rPr lang="en-US" smtClean="0"/>
-              <a:t>11-Nov-25</a:t>
+              <a:t>13-Nov-25</a:t>
             </a:fld>
             <a:endParaRPr lang="en-US"/>
           </a:p>
@@ -5893,7 +5893,7 @@
           <a:p>
             <a:pPr algn="l"/>
             <a:r>
-              <a:rPr lang="en-US" dirty="0"/>
+              <a:rPr lang="en-US" u="sng" dirty="0"/>
               <a:t>Members:</a:t>
             </a:r>
           </a:p>
@@ -5903,8 +5903,20 @@
               <a:buChar char="•"/>
             </a:pPr>
             <a:r>
-              <a:rPr lang="en-US" dirty="0"/>
-              <a:t>Taha Ahmed Mallick CT-183</a:t>
+              <a:rPr lang="en-US" dirty="0" err="1"/>
+              <a:t>Maryum</a:t>
+            </a:r>
+            <a:r>
+              <a:rPr lang="en-US" dirty="0"/>
+              <a:t> </a:t>
+            </a:r>
+            <a:r>
+              <a:rPr lang="en-US" dirty="0" err="1"/>
+              <a:t>Mairaj</a:t>
+            </a:r>
+            <a:r>
+              <a:rPr lang="en-US" dirty="0"/>
+              <a:t> CT-170</a:t>
             </a:r>
           </a:p>
           <a:p>
@@ -5914,7 +5926,7 @@
             </a:pPr>
             <a:r>
               <a:rPr lang="en-US" dirty="0"/>
-              <a:t>Abdul Raheem Sheikh CT-192</a:t>
+              <a:t>Taha Ahmed Mallick CT-183</a:t>
             </a:r>
           </a:p>
           <a:p>
@@ -5923,20 +5935,8 @@
               <a:buChar char="•"/>
             </a:pPr>
             <a:r>
-              <a:rPr lang="en-US" dirty="0" err="1"/>
-              <a:t>Maryum</a:t>
-            </a:r>
-            <a:r>
-              <a:rPr lang="en-US" dirty="0"/>
-              <a:t> </a:t>
-            </a:r>
-            <a:r>
-              <a:rPr lang="en-US" dirty="0" err="1"/>
-              <a:t>Mairaj</a:t>
-            </a:r>
-            <a:r>
-              <a:rPr lang="en-US" dirty="0"/>
-              <a:t> CT-170</a:t>
+              <a:rPr lang="en-US" dirty="0"/>
+              <a:t>Abdul Raheem Sheikh CT-192</a:t>
             </a:r>
           </a:p>
         </p:txBody>
